--- a/Presentation.pptx
+++ b/Presentation.pptx
@@ -244,7 +244,7 @@
           <a:p>
             <a:fld id="{92ABD954-6BD8-4479-A9DF-3432E41EB408}" type="datetimeFigureOut">
               <a:rPr lang="de-DE" smtClean="0"/>
-              <a:t>21.09.2016</a:t>
+              <a:t>04.10.2016</a:t>
             </a:fld>
             <a:endParaRPr lang="de-DE"/>
           </a:p>
@@ -414,7 +414,7 @@
           <a:p>
             <a:fld id="{92ABD954-6BD8-4479-A9DF-3432E41EB408}" type="datetimeFigureOut">
               <a:rPr lang="de-DE" smtClean="0"/>
-              <a:t>21.09.2016</a:t>
+              <a:t>04.10.2016</a:t>
             </a:fld>
             <a:endParaRPr lang="de-DE"/>
           </a:p>
@@ -594,7 +594,7 @@
           <a:p>
             <a:fld id="{92ABD954-6BD8-4479-A9DF-3432E41EB408}" type="datetimeFigureOut">
               <a:rPr lang="de-DE" smtClean="0"/>
-              <a:t>21.09.2016</a:t>
+              <a:t>04.10.2016</a:t>
             </a:fld>
             <a:endParaRPr lang="de-DE"/>
           </a:p>
@@ -764,7 +764,7 @@
           <a:p>
             <a:fld id="{92ABD954-6BD8-4479-A9DF-3432E41EB408}" type="datetimeFigureOut">
               <a:rPr lang="de-DE" smtClean="0"/>
-              <a:t>21.09.2016</a:t>
+              <a:t>04.10.2016</a:t>
             </a:fld>
             <a:endParaRPr lang="de-DE"/>
           </a:p>
@@ -1010,7 +1010,7 @@
           <a:p>
             <a:fld id="{92ABD954-6BD8-4479-A9DF-3432E41EB408}" type="datetimeFigureOut">
               <a:rPr lang="de-DE" smtClean="0"/>
-              <a:t>21.09.2016</a:t>
+              <a:t>04.10.2016</a:t>
             </a:fld>
             <a:endParaRPr lang="de-DE"/>
           </a:p>
@@ -1242,7 +1242,7 @@
           <a:p>
             <a:fld id="{92ABD954-6BD8-4479-A9DF-3432E41EB408}" type="datetimeFigureOut">
               <a:rPr lang="de-DE" smtClean="0"/>
-              <a:t>21.09.2016</a:t>
+              <a:t>04.10.2016</a:t>
             </a:fld>
             <a:endParaRPr lang="de-DE"/>
           </a:p>
@@ -1609,7 +1609,7 @@
           <a:p>
             <a:fld id="{92ABD954-6BD8-4479-A9DF-3432E41EB408}" type="datetimeFigureOut">
               <a:rPr lang="de-DE" smtClean="0"/>
-              <a:t>21.09.2016</a:t>
+              <a:t>04.10.2016</a:t>
             </a:fld>
             <a:endParaRPr lang="de-DE"/>
           </a:p>
@@ -1727,7 +1727,7 @@
           <a:p>
             <a:fld id="{92ABD954-6BD8-4479-A9DF-3432E41EB408}" type="datetimeFigureOut">
               <a:rPr lang="de-DE" smtClean="0"/>
-              <a:t>21.09.2016</a:t>
+              <a:t>04.10.2016</a:t>
             </a:fld>
             <a:endParaRPr lang="de-DE"/>
           </a:p>
@@ -1822,7 +1822,7 @@
           <a:p>
             <a:fld id="{92ABD954-6BD8-4479-A9DF-3432E41EB408}" type="datetimeFigureOut">
               <a:rPr lang="de-DE" smtClean="0"/>
-              <a:t>21.09.2016</a:t>
+              <a:t>04.10.2016</a:t>
             </a:fld>
             <a:endParaRPr lang="de-DE"/>
           </a:p>
@@ -2099,7 +2099,7 @@
           <a:p>
             <a:fld id="{92ABD954-6BD8-4479-A9DF-3432E41EB408}" type="datetimeFigureOut">
               <a:rPr lang="de-DE" smtClean="0"/>
-              <a:t>21.09.2016</a:t>
+              <a:t>04.10.2016</a:t>
             </a:fld>
             <a:endParaRPr lang="de-DE"/>
           </a:p>
@@ -2352,7 +2352,7 @@
           <a:p>
             <a:fld id="{92ABD954-6BD8-4479-A9DF-3432E41EB408}" type="datetimeFigureOut">
               <a:rPr lang="de-DE" smtClean="0"/>
-              <a:t>21.09.2016</a:t>
+              <a:t>04.10.2016</a:t>
             </a:fld>
             <a:endParaRPr lang="de-DE"/>
           </a:p>
@@ -2565,7 +2565,7 @@
           <a:p>
             <a:fld id="{92ABD954-6BD8-4479-A9DF-3432E41EB408}" type="datetimeFigureOut">
               <a:rPr lang="de-DE" smtClean="0"/>
-              <a:t>21.09.2016</a:t>
+              <a:t>04.10.2016</a:t>
             </a:fld>
             <a:endParaRPr lang="de-DE"/>
           </a:p>
@@ -3259,7 +3259,7 @@
       </p:grpSpPr>
       <p:sp>
         <p:nvSpPr>
-          <p:cNvPr id="5" name="{{title}}"/>
+          <p:cNvPr id="5" name="{{Title}}"/>
           <p:cNvSpPr>
             <a:spLocks noGrp="1"/>
           </p:cNvSpPr>
